--- a/1.Collections/CollectionsPresentation.pptx
+++ b/1.Collections/CollectionsPresentation.pptx
@@ -2194,29 +2194,6 @@
               </a:spcAft>
               <a:buNone/>
             </a:pPr>
-            <a:r>
-              <a:rPr lang="ru-RU" sz="1200" b="0" i="0" u="none" strike="noStrike" cap="none" dirty="0">
-                <a:solidFill>
-                  <a:schemeClr val="dk1"/>
-                </a:solidFill>
-                <a:latin typeface="Calibri"/>
-                <a:ea typeface="Calibri"/>
-                <a:cs typeface="Calibri"/>
-                <a:sym typeface="Calibri"/>
-              </a:rPr>
-              <a:t>Возможно стоит нарисовать общую структуру хеш таблицы.</a:t>
-            </a:r>
-          </a:p>
-          <a:p>
-            <a:pPr marL="0" marR="0" lvl="0" indent="0" algn="l" rtl="0">
-              <a:spcBef>
-                <a:spcPts val="0"/>
-              </a:spcBef>
-              <a:spcAft>
-                <a:spcPts val="0"/>
-              </a:spcAft>
-              <a:buNone/>
-            </a:pPr>
             <a:endParaRPr lang="ru-RU" sz="1200" b="0" i="0" u="none" strike="noStrike" cap="none" dirty="0">
               <a:solidFill>
                 <a:schemeClr val="dk1"/>
@@ -2659,7 +2636,7 @@
                 <a:latin typeface="Calibri"/>
                 <a:cs typeface="Calibri"/>
               </a:rPr>
-              <a:t>Или можно сказать что множество более абстрактная структура данных, потому необходио рассматиритьва конкретную реализацию для того чтоб оценить сложность выполнения операций.</a:t>
+              <a:t>Или можно сказать что множество более абстрактная структура данных, потому необходио рассматирить конкретную реализацию для того чтоб оценить сложность выполнения операций.</a:t>
             </a:r>
             <a:endParaRPr sz="1200" b="0" i="0" u="none" strike="noStrike" cap="none" dirty="0">
               <a:solidFill>
@@ -2844,61 +2821,6 @@
             <a:noAutofit/>
           </a:bodyPr>
           <a:lstStyle/>
-          <a:p>
-            <a:pPr marL="0" marR="0" lvl="0" indent="0" algn="l" defTabSz="914400" rtl="0" eaLnBrk="1" fontAlgn="auto" latinLnBrk="0" hangingPunct="1">
-              <a:lnSpc>
-                <a:spcPct val="100000"/>
-              </a:lnSpc>
-              <a:spcBef>
-                <a:spcPts val="0"/>
-              </a:spcBef>
-              <a:spcAft>
-                <a:spcPts val="0"/>
-              </a:spcAft>
-              <a:buClrTx/>
-              <a:buSzPts val="1400"/>
-              <a:buFontTx/>
-              <a:buNone/>
-              <a:tabLst/>
-              <a:defRPr/>
-            </a:pPr>
-            <a:r>
-              <a:rPr lang="ru-RU" sz="1200" b="0" i="0" u="none" strike="noStrike" cap="none" dirty="0">
-                <a:solidFill>
-                  <a:schemeClr val="dk1"/>
-                </a:solidFill>
-                <a:latin typeface="Calibri"/>
-                <a:ea typeface="Calibri"/>
-                <a:cs typeface="Calibri"/>
-                <a:sym typeface="Calibri"/>
-              </a:rPr>
-              <a:t>Возможно вообще пропущу всю часть с абстрактными структурами данных и сразу покажу какие есть типы коллекций в </a:t>
-            </a:r>
-            <a:r>
-              <a:rPr lang="en-US" sz="1200" b="0" i="0" u="none" strike="noStrike" cap="none" dirty="0">
-                <a:solidFill>
-                  <a:schemeClr val="dk1"/>
-                </a:solidFill>
-                <a:latin typeface="Calibri"/>
-                <a:ea typeface="Calibri"/>
-                <a:cs typeface="Calibri"/>
-                <a:sym typeface="Calibri"/>
-              </a:rPr>
-              <a:t>C#</a:t>
-            </a:r>
-            <a:r>
-              <a:rPr lang="ru-RU" sz="1200" b="0" i="0" u="none" strike="noStrike" cap="none" dirty="0">
-                <a:solidFill>
-                  <a:schemeClr val="dk1"/>
-                </a:solidFill>
-                <a:latin typeface="Calibri"/>
-                <a:ea typeface="Calibri"/>
-                <a:cs typeface="Calibri"/>
-                <a:sym typeface="Calibri"/>
-              </a:rPr>
-              <a:t>.</a:t>
-            </a:r>
-          </a:p>
           <a:p>
             <a:pPr marL="0" marR="0" lvl="0" indent="0" algn="l" rtl="0">
               <a:spcBef>
@@ -3190,6 +3112,49 @@
               </a:rPr>
               <a:t>Идем дальше по слайдам каждой из реализаций коллекций и переходим в код чтоб посмотреть как они описаны.</a:t>
             </a:r>
+          </a:p>
+          <a:p>
+            <a:pPr marL="0" marR="0" lvl="0" indent="0" algn="l" rtl="0">
+              <a:spcBef>
+                <a:spcPts val="0"/>
+              </a:spcBef>
+              <a:spcAft>
+                <a:spcPts val="0"/>
+              </a:spcAft>
+              <a:buNone/>
+            </a:pPr>
+            <a:endParaRPr lang="ru-RU" sz="1200" b="0" i="0" u="none" strike="noStrike" cap="none" dirty="0">
+              <a:solidFill>
+                <a:schemeClr val="dk1"/>
+              </a:solidFill>
+              <a:latin typeface="Calibri"/>
+              <a:ea typeface="Calibri"/>
+              <a:cs typeface="Calibri"/>
+              <a:sym typeface="Calibri"/>
+            </a:endParaRPr>
+          </a:p>
+          <a:p>
+            <a:pPr marL="0" marR="0" lvl="0" indent="0" algn="l" rtl="0">
+              <a:spcBef>
+                <a:spcPts val="0"/>
+              </a:spcBef>
+              <a:spcAft>
+                <a:spcPts val="0"/>
+              </a:spcAft>
+              <a:buNone/>
+            </a:pPr>
+            <a:r>
+              <a:rPr lang="ru-RU" sz="1200" b="0" i="0" u="none" strike="noStrike" cap="none" dirty="0">
+                <a:solidFill>
+                  <a:schemeClr val="dk1"/>
+                </a:solidFill>
+                <a:latin typeface="Calibri"/>
+                <a:ea typeface="Calibri"/>
+                <a:cs typeface="Calibri"/>
+                <a:sym typeface="Calibri"/>
+              </a:rPr>
+              <a:t>Проходим все необобщенные коллекции, после расмотрения обобщений рассматриваем обощенные коллекции.</a:t>
+            </a:r>
             <a:endParaRPr lang="en-US" sz="1200" b="0" i="0" u="none" strike="noStrike" cap="none" dirty="0">
               <a:solidFill>
                 <a:schemeClr val="dk1"/>
@@ -4253,7 +4218,7 @@
                 <a:cs typeface="Calibri"/>
                 <a:sym typeface="Calibri"/>
               </a:rPr>
-              <a:t>Переходим в код для рассмотрения примера</a:t>
+              <a:t>Переходим в код для рассмотрения примера.</a:t>
             </a:r>
             <a:endParaRPr sz="1200" b="0" i="0" u="none" strike="noStrike" cap="none" dirty="0">
               <a:solidFill>
@@ -4920,9 +4885,20 @@
                 <a:cs typeface="Calibri"/>
                 <a:sym typeface="Calibri"/>
               </a:rPr>
-              <a:t>Переходим в код и смотрим как реализована пользовательская коллекция</a:t>
+              <a:t>Переходим в код и смотрим как реализована пользовательская коллекция.</a:t>
             </a:r>
-            <a:endParaRPr sz="1200" b="0" i="0" u="none" strike="noStrike" cap="none" dirty="0">
+          </a:p>
+          <a:p>
+            <a:pPr marL="0" marR="0" lvl="0" indent="0" algn="l" rtl="0">
+              <a:spcBef>
+                <a:spcPts val="0"/>
+              </a:spcBef>
+              <a:spcAft>
+                <a:spcPts val="0"/>
+              </a:spcAft>
+              <a:buNone/>
+            </a:pPr>
+            <a:endParaRPr lang="ru-RU" sz="1200" b="0" i="0" u="none" strike="noStrike" cap="none" dirty="0">
               <a:solidFill>
                 <a:schemeClr val="dk1"/>
               </a:solidFill>
@@ -4931,6 +4907,143 @@
               <a:cs typeface="Calibri"/>
               <a:sym typeface="Calibri"/>
             </a:endParaRPr>
+          </a:p>
+          <a:p>
+            <a:pPr marL="0" marR="0" lvl="0" indent="0" algn="l" rtl="0">
+              <a:spcBef>
+                <a:spcPts val="0"/>
+              </a:spcBef>
+              <a:spcAft>
+                <a:spcPts val="0"/>
+              </a:spcAft>
+              <a:buNone/>
+            </a:pPr>
+            <a:r>
+              <a:rPr lang="ru-RU" sz="1200" b="0" i="0" u="none" strike="noStrike" cap="none" dirty="0">
+                <a:solidFill>
+                  <a:schemeClr val="dk1"/>
+                </a:solidFill>
+                <a:latin typeface="Calibri"/>
+                <a:ea typeface="Calibri"/>
+                <a:cs typeface="Calibri"/>
+                <a:sym typeface="Calibri"/>
+              </a:rPr>
+              <a:t>Если есть время: удаляем реализаю и вместе проходим этапы создания пользовательской коллекции.</a:t>
+            </a:r>
+          </a:p>
+          <a:p>
+            <a:pPr marL="0" marR="0" lvl="0" indent="0" algn="l" rtl="0">
+              <a:spcBef>
+                <a:spcPts val="0"/>
+              </a:spcBef>
+              <a:spcAft>
+                <a:spcPts val="0"/>
+              </a:spcAft>
+              <a:buNone/>
+            </a:pPr>
+            <a:endParaRPr lang="ru-RU" sz="1200" b="0" i="0" u="none" strike="noStrike" cap="none" dirty="0">
+              <a:solidFill>
+                <a:schemeClr val="dk1"/>
+              </a:solidFill>
+              <a:latin typeface="Calibri"/>
+              <a:ea typeface="Calibri"/>
+              <a:cs typeface="Calibri"/>
+              <a:sym typeface="Calibri"/>
+            </a:endParaRPr>
+          </a:p>
+          <a:p>
+            <a:pPr marL="0" marR="0" lvl="0" indent="0" algn="l" rtl="0">
+              <a:spcBef>
+                <a:spcPts val="0"/>
+              </a:spcBef>
+              <a:spcAft>
+                <a:spcPts val="0"/>
+              </a:spcAft>
+              <a:buNone/>
+            </a:pPr>
+            <a:r>
+              <a:rPr lang="ru-RU" sz="1200" b="0" i="0" u="none" strike="noStrike" cap="none" dirty="0">
+                <a:solidFill>
+                  <a:schemeClr val="dk1"/>
+                </a:solidFill>
+                <a:latin typeface="Calibri"/>
+                <a:ea typeface="Calibri"/>
+                <a:cs typeface="Calibri"/>
+                <a:sym typeface="Calibri"/>
+              </a:rPr>
+              <a:t>Если успеваем пройти обобщения, как ДЗ после первого урока будет создать обобщенную пользовательскую</a:t>
+            </a:r>
+          </a:p>
+          <a:p>
+            <a:pPr marL="0" marR="0" lvl="0" indent="0" algn="l" rtl="0">
+              <a:spcBef>
+                <a:spcPts val="0"/>
+              </a:spcBef>
+              <a:spcAft>
+                <a:spcPts val="0"/>
+              </a:spcAft>
+              <a:buNone/>
+            </a:pPr>
+            <a:r>
+              <a:rPr lang="ru-RU" sz="1200" b="0" i="0" u="none" strike="noStrike" cap="none" dirty="0">
+                <a:solidFill>
+                  <a:schemeClr val="dk1"/>
+                </a:solidFill>
+                <a:latin typeface="Calibri"/>
+                <a:ea typeface="Calibri"/>
+                <a:cs typeface="Calibri"/>
+                <a:sym typeface="Calibri"/>
+              </a:rPr>
+              <a:t>В обратном случае создать пользовательскую коллекцию по определнной тематике, при этом переопределить методы </a:t>
+            </a:r>
+            <a:r>
+              <a:rPr lang="en-US" sz="1200" b="0" i="0" u="none" strike="noStrike" cap="none" dirty="0">
+                <a:solidFill>
+                  <a:schemeClr val="dk1"/>
+                </a:solidFill>
+                <a:latin typeface="Calibri"/>
+                <a:ea typeface="Calibri"/>
+                <a:cs typeface="Calibri"/>
+                <a:sym typeface="Calibri"/>
+              </a:rPr>
+              <a:t>Current/</a:t>
+            </a:r>
+            <a:r>
+              <a:rPr lang="en-US" sz="1200" b="0" i="0" u="none" strike="noStrike" cap="none" dirty="0" err="1">
+                <a:solidFill>
+                  <a:schemeClr val="dk1"/>
+                </a:solidFill>
+                <a:latin typeface="Calibri"/>
+                <a:ea typeface="Calibri"/>
+                <a:cs typeface="Calibri"/>
+                <a:sym typeface="Calibri"/>
+              </a:rPr>
+              <a:t>MoveNext</a:t>
+            </a:r>
+            <a:r>
+              <a:rPr lang="en-US" sz="1200" b="0" i="0" u="none" strike="noStrike" cap="none" dirty="0">
+                <a:solidFill>
+                  <a:schemeClr val="dk1"/>
+                </a:solidFill>
+                <a:latin typeface="Calibri"/>
+                <a:ea typeface="Calibri"/>
+                <a:cs typeface="Calibri"/>
+                <a:sym typeface="Calibri"/>
+              </a:rPr>
+              <a:t>/Reset</a:t>
+            </a:r>
+            <a:r>
+              <a:rPr lang="ru-RU" sz="1200" b="0" i="0" u="none" strike="noStrike" cap="none" dirty="0">
+                <a:solidFill>
+                  <a:schemeClr val="dk1"/>
+                </a:solidFill>
+                <a:latin typeface="Calibri"/>
+                <a:ea typeface="Calibri"/>
+                <a:cs typeface="Calibri"/>
+                <a:sym typeface="Calibri"/>
+              </a:rPr>
+              <a:t>.</a:t>
+            </a:r>
           </a:p>
         </p:txBody>
       </p:sp>
@@ -5378,7 +5491,67 @@
               </a:spcAft>
               <a:buNone/>
             </a:pPr>
-            <a:endParaRPr sz="1200" b="0" i="0" u="none" strike="noStrike" cap="none">
+            <a:r>
+              <a:rPr lang="ru-RU" sz="1200" b="0" i="0" u="none" strike="noStrike" cap="none" dirty="0">
+                <a:solidFill>
+                  <a:schemeClr val="dk1"/>
+                </a:solidFill>
+                <a:latin typeface="Calibri"/>
+                <a:ea typeface="Calibri"/>
+                <a:cs typeface="Calibri"/>
+                <a:sym typeface="Calibri"/>
+              </a:rPr>
+              <a:t>Стоит рассказать про </a:t>
+            </a:r>
+            <a:r>
+              <a:rPr lang="en-US" sz="1200" b="0" i="0" u="none" strike="noStrike" cap="none" dirty="0">
+                <a:solidFill>
+                  <a:schemeClr val="dk1"/>
+                </a:solidFill>
+                <a:latin typeface="Calibri"/>
+                <a:ea typeface="Calibri"/>
+                <a:cs typeface="Calibri"/>
+                <a:sym typeface="Calibri"/>
+              </a:rPr>
+              <a:t>O (</a:t>
+            </a:r>
+            <a:r>
+              <a:rPr lang="ru-RU" sz="1200" b="0" i="0" u="none" strike="noStrike" cap="none" dirty="0">
+                <a:solidFill>
+                  <a:schemeClr val="dk1"/>
+                </a:solidFill>
+                <a:latin typeface="Calibri"/>
+                <a:ea typeface="Calibri"/>
+                <a:cs typeface="Calibri"/>
+                <a:sym typeface="Calibri"/>
+              </a:rPr>
+              <a:t>О большое</a:t>
+            </a:r>
+            <a:r>
+              <a:rPr lang="en-US" sz="1200" b="0" i="0" u="none" strike="noStrike" cap="none" dirty="0">
+                <a:solidFill>
+                  <a:schemeClr val="dk1"/>
+                </a:solidFill>
+                <a:latin typeface="Calibri"/>
+                <a:ea typeface="Calibri"/>
+                <a:cs typeface="Calibri"/>
+                <a:sym typeface="Calibri"/>
+              </a:rPr>
+              <a:t>)</a:t>
+            </a:r>
+            <a:r>
+              <a:rPr lang="ru-RU" sz="1200" b="0" i="0" u="none" strike="noStrike" cap="none" dirty="0">
+                <a:solidFill>
+                  <a:schemeClr val="dk1"/>
+                </a:solidFill>
+                <a:latin typeface="Calibri"/>
+                <a:ea typeface="Calibri"/>
+                <a:cs typeface="Calibri"/>
+                <a:sym typeface="Calibri"/>
+              </a:rPr>
+              <a:t>. Это одна из метрик, которой оценивают сложность алгоритмов или операций. Единицой измерения представляется не время, но количеством выполненых операций.</a:t>
+            </a:r>
+            <a:endParaRPr sz="1200" b="0" i="0" u="none" strike="noStrike" cap="none" dirty="0">
               <a:solidFill>
                 <a:schemeClr val="dk1"/>
               </a:solidFill>
@@ -5836,66 +6009,6 @@
                 <a:sym typeface="Calibri"/>
               </a:rPr>
             </a:br>
-            <a:r>
-              <a:rPr lang="ru-RU" sz="1200" b="0" i="0" u="none" strike="noStrike" cap="none" dirty="0">
-                <a:solidFill>
-                  <a:schemeClr val="dk1"/>
-                </a:solidFill>
-                <a:latin typeface="Calibri"/>
-                <a:ea typeface="Calibri"/>
-                <a:cs typeface="Calibri"/>
-                <a:sym typeface="Calibri"/>
-              </a:rPr>
-              <a:t>Стоит рассказать про </a:t>
-            </a:r>
-            <a:r>
-              <a:rPr lang="en-US" sz="1200" b="0" i="0" u="none" strike="noStrike" cap="none" dirty="0">
-                <a:solidFill>
-                  <a:schemeClr val="dk1"/>
-                </a:solidFill>
-                <a:latin typeface="Calibri"/>
-                <a:ea typeface="Calibri"/>
-                <a:cs typeface="Calibri"/>
-                <a:sym typeface="Calibri"/>
-              </a:rPr>
-              <a:t>O (</a:t>
-            </a:r>
-            <a:r>
-              <a:rPr lang="ru-RU" sz="1200" b="0" i="0" u="none" strike="noStrike" cap="none" dirty="0">
-                <a:solidFill>
-                  <a:schemeClr val="dk1"/>
-                </a:solidFill>
-                <a:latin typeface="Calibri"/>
-                <a:ea typeface="Calibri"/>
-                <a:cs typeface="Calibri"/>
-                <a:sym typeface="Calibri"/>
-              </a:rPr>
-              <a:t>О большое</a:t>
-            </a:r>
-            <a:r>
-              <a:rPr lang="en-US" sz="1200" b="0" i="0" u="none" strike="noStrike" cap="none" dirty="0">
-                <a:solidFill>
-                  <a:schemeClr val="dk1"/>
-                </a:solidFill>
-                <a:latin typeface="Calibri"/>
-                <a:ea typeface="Calibri"/>
-                <a:cs typeface="Calibri"/>
-                <a:sym typeface="Calibri"/>
-              </a:rPr>
-              <a:t>)</a:t>
-            </a:r>
-            <a:r>
-              <a:rPr lang="ru-RU" sz="1200" b="0" i="0" u="none" strike="noStrike" cap="none" dirty="0">
-                <a:solidFill>
-                  <a:schemeClr val="dk1"/>
-                </a:solidFill>
-                <a:latin typeface="Calibri"/>
-                <a:ea typeface="Calibri"/>
-                <a:cs typeface="Calibri"/>
-                <a:sym typeface="Calibri"/>
-              </a:rPr>
-              <a:t>. Это одна из метрик, которой оценивают сложность алгоритмов или операций. Большое О в частности оценивает худший сценарий выполнения операции. Единицой измерения представляется не время, но количеством выполненых операций.</a:t>
-            </a:r>
             <a:endParaRPr sz="1200" b="0" i="0" u="none" strike="noStrike" cap="none" dirty="0">
               <a:solidFill>
                 <a:schemeClr val="dk1"/>
@@ -6557,6 +6670,29 @@
                 <a:sym typeface="Calibri"/>
               </a:rPr>
               <a:t>Также сомнительно выделять стек и очередь как отдельные структуры данных, возможно стоит их убрать или обьяснить что они по большому счету всего обьект/надстройка над массивом/связным списком.</a:t>
+            </a:r>
+          </a:p>
+          <a:p>
+            <a:pPr marL="0" marR="0" lvl="0" indent="0" algn="l" rtl="0">
+              <a:spcBef>
+                <a:spcPts val="0"/>
+              </a:spcBef>
+              <a:spcAft>
+                <a:spcPts val="0"/>
+              </a:spcAft>
+              <a:buNone/>
+            </a:pPr>
+            <a:r>
+              <a:rPr lang="ru-RU" sz="1200" b="0" i="0" u="none" strike="noStrike" cap="none" dirty="0">
+                <a:solidFill>
+                  <a:schemeClr val="dk1"/>
+                </a:solidFill>
+                <a:latin typeface="Calibri"/>
+                <a:ea typeface="Calibri"/>
+                <a:cs typeface="Calibri"/>
+                <a:sym typeface="Calibri"/>
+              </a:rPr>
+              <a:t>Но для простоты не буду это говорить.</a:t>
             </a:r>
             <a:endParaRPr sz="1200" b="0" i="0" u="none" strike="noStrike" cap="none" dirty="0">
               <a:solidFill>
@@ -32353,7 +32489,7 @@
                 <a:cs typeface="Roboto"/>
                 <a:sym typeface="Roboto"/>
               </a:rPr>
-              <a:t>ый разбор наиболее часто используемых коллекций</a:t>
+              <a:t>ый разбор основных коллекций</a:t>
             </a:r>
             <a:endParaRPr b="1" i="0" u="none" strike="noStrike" cap="none" dirty="0">
               <a:solidFill>

--- a/1.Collections/CollectionsPresentation.pptx
+++ b/1.Collections/CollectionsPresentation.pptx
@@ -6711,137 +6711,6 @@
               </a:spcAft>
               <a:buNone/>
             </a:pPr>
-            <a:r>
-              <a:rPr lang="ru-RU" sz="1200" b="0" i="0" u="none" strike="noStrike" cap="none" dirty="0">
-                <a:solidFill>
-                  <a:schemeClr val="dk1"/>
-                </a:solidFill>
-                <a:latin typeface="Calibri"/>
-                <a:ea typeface="Calibri"/>
-                <a:cs typeface="Calibri"/>
-                <a:sym typeface="Calibri"/>
-              </a:rPr>
-              <a:t>Можно сказать, что все реализации представленные здесь, за исключением </a:t>
-            </a:r>
-            <a:r>
-              <a:rPr lang="en-US" sz="1200" b="0" i="0" u="none" strike="noStrike" cap="none" dirty="0">
-                <a:solidFill>
-                  <a:schemeClr val="dk1"/>
-                </a:solidFill>
-                <a:latin typeface="Calibri"/>
-                <a:ea typeface="Calibri"/>
-                <a:cs typeface="Calibri"/>
-                <a:sym typeface="Calibri"/>
-              </a:rPr>
-              <a:t>Array</a:t>
-            </a:r>
-            <a:r>
-              <a:rPr lang="ru-RU" sz="1200" b="0" i="0" u="none" strike="noStrike" cap="none" dirty="0">
-                <a:solidFill>
-                  <a:schemeClr val="dk1"/>
-                </a:solidFill>
-                <a:latin typeface="Calibri"/>
-                <a:ea typeface="Calibri"/>
-                <a:cs typeface="Calibri"/>
-                <a:sym typeface="Calibri"/>
-              </a:rPr>
-              <a:t>, и есть коллекции. Вот мы и подошли к теме занятия.</a:t>
-            </a:r>
-            <a:endParaRPr lang="en-US" sz="1200" b="0" i="0" u="none" strike="noStrike" cap="none" dirty="0">
-              <a:solidFill>
-                <a:schemeClr val="dk1"/>
-              </a:solidFill>
-              <a:latin typeface="Calibri"/>
-              <a:ea typeface="Calibri"/>
-              <a:cs typeface="Calibri"/>
-              <a:sym typeface="Calibri"/>
-            </a:endParaRPr>
-          </a:p>
-          <a:p>
-            <a:pPr marL="0" marR="0" lvl="0" indent="0" algn="l" rtl="0">
-              <a:spcBef>
-                <a:spcPts val="0"/>
-              </a:spcBef>
-              <a:spcAft>
-                <a:spcPts val="0"/>
-              </a:spcAft>
-              <a:buNone/>
-            </a:pPr>
-            <a:endParaRPr lang="en-US" sz="1200" b="0" i="0" u="none" strike="noStrike" cap="none" dirty="0">
-              <a:solidFill>
-                <a:schemeClr val="dk1"/>
-              </a:solidFill>
-              <a:latin typeface="Calibri"/>
-              <a:ea typeface="Calibri"/>
-              <a:cs typeface="Calibri"/>
-              <a:sym typeface="Calibri"/>
-            </a:endParaRPr>
-          </a:p>
-          <a:p>
-            <a:pPr marL="0" marR="0" lvl="0" indent="0" algn="l" rtl="0">
-              <a:spcBef>
-                <a:spcPts val="0"/>
-              </a:spcBef>
-              <a:spcAft>
-                <a:spcPts val="0"/>
-              </a:spcAft>
-              <a:buNone/>
-            </a:pPr>
-            <a:r>
-              <a:rPr lang="ru-RU" sz="1200" b="0" i="0" u="none" strike="noStrike" cap="none" dirty="0">
-                <a:solidFill>
-                  <a:schemeClr val="dk1"/>
-                </a:solidFill>
-                <a:latin typeface="Calibri"/>
-                <a:ea typeface="Calibri"/>
-                <a:cs typeface="Calibri"/>
-                <a:sym typeface="Calibri"/>
-              </a:rPr>
-              <a:t>Идем дальше по слайдам каждой из реализаций коллекций и переходим в код чтоб посмотреть как они описаны.</a:t>
-            </a:r>
-          </a:p>
-          <a:p>
-            <a:pPr marL="0" marR="0" lvl="0" indent="0" algn="l" rtl="0">
-              <a:spcBef>
-                <a:spcPts val="0"/>
-              </a:spcBef>
-              <a:spcAft>
-                <a:spcPts val="0"/>
-              </a:spcAft>
-              <a:buNone/>
-            </a:pPr>
-            <a:endParaRPr lang="ru-RU" sz="1200" b="0" i="0" u="none" strike="noStrike" cap="none" dirty="0">
-              <a:solidFill>
-                <a:schemeClr val="dk1"/>
-              </a:solidFill>
-              <a:latin typeface="Calibri"/>
-              <a:ea typeface="Calibri"/>
-              <a:cs typeface="Calibri"/>
-              <a:sym typeface="Calibri"/>
-            </a:endParaRPr>
-          </a:p>
-          <a:p>
-            <a:pPr marL="0" marR="0" lvl="0" indent="0" algn="l" rtl="0">
-              <a:spcBef>
-                <a:spcPts val="0"/>
-              </a:spcBef>
-              <a:spcAft>
-                <a:spcPts val="0"/>
-              </a:spcAft>
-              <a:buNone/>
-            </a:pPr>
-            <a:r>
-              <a:rPr lang="ru-RU" sz="1200" b="0" i="0" u="none" strike="noStrike" cap="none" dirty="0">
-                <a:solidFill>
-                  <a:schemeClr val="dk1"/>
-                </a:solidFill>
-                <a:latin typeface="Calibri"/>
-                <a:ea typeface="Calibri"/>
-                <a:cs typeface="Calibri"/>
-                <a:sym typeface="Calibri"/>
-              </a:rPr>
-              <a:t>Проходим все необобщенные коллекции, после расмотрения обобщений рассматриваем обощенные коллекции.</a:t>
-            </a:r>
             <a:endParaRPr lang="en-US" sz="1200" b="0" i="0" u="none" strike="noStrike" cap="none" dirty="0">
               <a:solidFill>
                 <a:schemeClr val="dk1"/>
@@ -8401,7 +8270,7 @@
                 <a:cs typeface="Calibri"/>
                 <a:sym typeface="Calibri"/>
               </a:rPr>
-              <a:t>Раньше вам необходимо было при создании массива задать точное кол-во элементов, теперь это не нужно делать.</a:t>
+              <a:t>Раньше вам необходимо было при создании массива задать точное кол-во элементов, теперь этого не нужно делать.</a:t>
             </a:r>
             <a:r>
               <a:rPr lang="en-US" sz="1200" b="0" i="0" u="none" strike="noStrike" cap="none" dirty="0">
@@ -8437,7 +8306,7 @@
                 <a:cs typeface="Calibri"/>
                 <a:sym typeface="Calibri"/>
               </a:rPr>
-              <a:t> может динамически рассшыряться.</a:t>
+              <a:t> может динамически рассширяться.</a:t>
             </a:r>
           </a:p>
           <a:p>

--- a/1.Collections/CollectionsPresentation.pptx
+++ b/1.Collections/CollectionsPresentation.pptx
@@ -5,7 +5,7 @@
     <p:sldMasterId id="2147483661" r:id="rId1"/>
   </p:sldMasterIdLst>
   <p:notesMasterIdLst>
-    <p:notesMasterId r:id="rId34"/>
+    <p:notesMasterId r:id="rId33"/>
   </p:notesMasterIdLst>
   <p:sldIdLst>
     <p:sldId id="256" r:id="rId2"/>
@@ -37,26 +37,25 @@
     <p:sldId id="301" r:id="rId28"/>
     <p:sldId id="279" r:id="rId29"/>
     <p:sldId id="280" r:id="rId30"/>
-    <p:sldId id="302" r:id="rId31"/>
-    <p:sldId id="283" r:id="rId32"/>
-    <p:sldId id="303" r:id="rId33"/>
+    <p:sldId id="283" r:id="rId31"/>
+    <p:sldId id="303" r:id="rId32"/>
   </p:sldIdLst>
   <p:sldSz cx="9144000" cy="6858000" type="screen4x3"/>
   <p:notesSz cx="6858000" cy="9144000"/>
   <p:embeddedFontLst>
     <p:embeddedFont>
       <p:font typeface="Calibri" panose="020F0502020204030204" pitchFamily="34" charset="0"/>
-      <p:regular r:id="rId35"/>
-      <p:bold r:id="rId36"/>
-      <p:italic r:id="rId37"/>
-      <p:boldItalic r:id="rId38"/>
+      <p:regular r:id="rId34"/>
+      <p:bold r:id="rId35"/>
+      <p:italic r:id="rId36"/>
+      <p:boldItalic r:id="rId37"/>
     </p:embeddedFont>
     <p:embeddedFont>
       <p:font typeface="Roboto" panose="020B0604020202020204" charset="0"/>
-      <p:regular r:id="rId39"/>
-      <p:bold r:id="rId40"/>
-      <p:italic r:id="rId41"/>
-      <p:boldItalic r:id="rId42"/>
+      <p:regular r:id="rId38"/>
+      <p:bold r:id="rId39"/>
+      <p:italic r:id="rId40"/>
+      <p:boldItalic r:id="rId41"/>
     </p:embeddedFont>
   </p:embeddedFontLst>
   <p:defaultTextStyle>
@@ -6405,7 +6404,7 @@
   <p:cSld>
     <p:spTree>
       <p:nvGrpSpPr>
-        <p:cNvPr id="1" name="Shape 214"/>
+        <p:cNvPr id="1" name="Shape 152"/>
         <p:cNvGrpSpPr/>
         <p:nvPr/>
       </p:nvGrpSpPr>
@@ -6419,7 +6418,7 @@
       </p:grpSpPr>
       <p:sp>
         <p:nvSpPr>
-          <p:cNvPr id="215" name="Shape 215"/>
+          <p:cNvPr id="153" name="Shape 153"/>
           <p:cNvSpPr>
             <a:spLocks noGrp="1" noRot="1" noChangeAspect="1"/>
           </p:cNvSpPr>
@@ -6470,7 +6469,7 @@
       </p:sp>
       <p:sp>
         <p:nvSpPr>
-          <p:cNvPr id="216" name="Shape 216"/>
+          <p:cNvPr id="154" name="Shape 154"/>
           <p:cNvSpPr txBox="1">
             <a:spLocks noGrp="1"/>
           </p:cNvSpPr>
@@ -6506,18 +6505,6 @@
               </a:spcAft>
               <a:buNone/>
             </a:pPr>
-            <a:r>
-              <a:rPr lang="ru-RU" sz="1200" b="0" i="0" u="none" strike="noStrike" cap="none" dirty="0">
-                <a:solidFill>
-                  <a:schemeClr val="dk1"/>
-                </a:solidFill>
-                <a:latin typeface="Calibri"/>
-                <a:ea typeface="Calibri"/>
-                <a:cs typeface="Calibri"/>
-                <a:sym typeface="Calibri"/>
-              </a:rPr>
-              <a:t>Переходим в код для рассмотрения примера</a:t>
-            </a:r>
             <a:endParaRPr lang="en-US" sz="1200" b="0" i="0" u="none" strike="noStrike" cap="none" dirty="0">
               <a:solidFill>
                 <a:schemeClr val="dk1"/>
@@ -6532,7 +6519,7 @@
       </p:sp>
       <p:sp>
         <p:nvSpPr>
-          <p:cNvPr id="217" name="Shape 217"/>
+          <p:cNvPr id="155" name="Shape 155"/>
           <p:cNvSpPr txBox="1">
             <a:spLocks noGrp="1"/>
           </p:cNvSpPr>
@@ -6595,7 +6582,7 @@
     </p:spTree>
     <p:extLst>
       <p:ext uri="{BB962C8B-B14F-4D97-AF65-F5344CB8AC3E}">
-        <p14:creationId xmlns:p14="http://schemas.microsoft.com/office/powerpoint/2010/main" val="461172371"/>
+        <p14:creationId xmlns:p14="http://schemas.microsoft.com/office/powerpoint/2010/main" val="4192798008"/>
       </p:ext>
     </p:extLst>
   </p:cSld>
@@ -6610,7 +6597,7 @@
   <p:cSld>
     <p:spTree>
       <p:nvGrpSpPr>
-        <p:cNvPr id="1" name="Shape 152"/>
+        <p:cNvPr id="1" name="Shape 214"/>
         <p:cNvGrpSpPr/>
         <p:nvPr/>
       </p:nvGrpSpPr>
@@ -6624,7 +6611,7 @@
       </p:grpSpPr>
       <p:sp>
         <p:nvSpPr>
-          <p:cNvPr id="153" name="Shape 153"/>
+          <p:cNvPr id="215" name="Shape 215"/>
           <p:cNvSpPr>
             <a:spLocks noGrp="1" noRot="1" noChangeAspect="1"/>
           </p:cNvSpPr>
@@ -6675,199 +6662,6 @@
       </p:sp>
       <p:sp>
         <p:nvSpPr>
-          <p:cNvPr id="154" name="Shape 154"/>
-          <p:cNvSpPr txBox="1">
-            <a:spLocks noGrp="1"/>
-          </p:cNvSpPr>
-          <p:nvPr>
-            <p:ph type="body" idx="1"/>
-          </p:nvPr>
-        </p:nvSpPr>
-        <p:spPr>
-          <a:xfrm>
-            <a:off x="685800" y="4343400"/>
-            <a:ext cx="5486400" cy="4114800"/>
-          </a:xfrm>
-          <a:prstGeom prst="rect">
-            <a:avLst/>
-          </a:prstGeom>
-          <a:noFill/>
-          <a:ln>
-            <a:noFill/>
-          </a:ln>
-        </p:spPr>
-        <p:txBody>
-          <a:bodyPr spcFirstLastPara="1" wrap="square" lIns="91425" tIns="45700" rIns="91425" bIns="45700" anchor="t" anchorCtr="0">
-            <a:noAutofit/>
-          </a:bodyPr>
-          <a:lstStyle/>
-          <a:p>
-            <a:pPr marL="0" marR="0" lvl="0" indent="0" algn="l" rtl="0">
-              <a:spcBef>
-                <a:spcPts val="0"/>
-              </a:spcBef>
-              <a:spcAft>
-                <a:spcPts val="0"/>
-              </a:spcAft>
-              <a:buNone/>
-            </a:pPr>
-            <a:endParaRPr lang="en-US" sz="1200" b="0" i="0" u="none" strike="noStrike" cap="none" dirty="0">
-              <a:solidFill>
-                <a:schemeClr val="dk1"/>
-              </a:solidFill>
-              <a:latin typeface="Calibri"/>
-              <a:ea typeface="Calibri"/>
-              <a:cs typeface="Calibri"/>
-              <a:sym typeface="Calibri"/>
-            </a:endParaRPr>
-          </a:p>
-        </p:txBody>
-      </p:sp>
-      <p:sp>
-        <p:nvSpPr>
-          <p:cNvPr id="155" name="Shape 155"/>
-          <p:cNvSpPr txBox="1">
-            <a:spLocks noGrp="1"/>
-          </p:cNvSpPr>
-          <p:nvPr>
-            <p:ph type="sldNum" idx="12"/>
-          </p:nvPr>
-        </p:nvSpPr>
-        <p:spPr>
-          <a:xfrm>
-            <a:off x="3884613" y="8685213"/>
-            <a:ext cx="2971800" cy="457200"/>
-          </a:xfrm>
-          <a:prstGeom prst="rect">
-            <a:avLst/>
-          </a:prstGeom>
-          <a:noFill/>
-          <a:ln>
-            <a:noFill/>
-          </a:ln>
-        </p:spPr>
-        <p:txBody>
-          <a:bodyPr spcFirstLastPara="1" wrap="square" lIns="91425" tIns="45700" rIns="91425" bIns="45700" anchor="b" anchorCtr="0">
-            <a:noAutofit/>
-          </a:bodyPr>
-          <a:lstStyle/>
-          <a:p>
-            <a:pPr marL="0" marR="0" lvl="0" indent="0" algn="r" rtl="0">
-              <a:spcBef>
-                <a:spcPts val="0"/>
-              </a:spcBef>
-              <a:spcAft>
-                <a:spcPts val="0"/>
-              </a:spcAft>
-              <a:buNone/>
-            </a:pPr>
-            <a:fld id="{00000000-1234-1234-1234-123412341234}" type="slidenum">
-              <a:rPr lang="en-US" sz="1200" b="0" i="0" u="none" strike="noStrike" cap="none">
-                <a:solidFill>
-                  <a:schemeClr val="dk1"/>
-                </a:solidFill>
-                <a:latin typeface="Calibri"/>
-                <a:ea typeface="Calibri"/>
-                <a:cs typeface="Calibri"/>
-                <a:sym typeface="Calibri"/>
-              </a:rPr>
-              <a:t>31</a:t>
-            </a:fld>
-            <a:endParaRPr sz="1200" b="0" i="0" u="none" strike="noStrike" cap="none">
-              <a:solidFill>
-                <a:schemeClr val="dk1"/>
-              </a:solidFill>
-              <a:latin typeface="Calibri"/>
-              <a:ea typeface="Calibri"/>
-              <a:cs typeface="Calibri"/>
-              <a:sym typeface="Calibri"/>
-            </a:endParaRPr>
-          </a:p>
-        </p:txBody>
-      </p:sp>
-    </p:spTree>
-    <p:extLst>
-      <p:ext uri="{BB962C8B-B14F-4D97-AF65-F5344CB8AC3E}">
-        <p14:creationId xmlns:p14="http://schemas.microsoft.com/office/powerpoint/2010/main" val="4192798008"/>
-      </p:ext>
-    </p:extLst>
-  </p:cSld>
-  <p:clrMapOvr>
-    <a:masterClrMapping/>
-  </p:clrMapOvr>
-</p:notes>
-</file>
-
-<file path=ppt/notesSlides/notesSlide32.xml><?xml version="1.0" encoding="utf-8"?>
-<p:notes xmlns:a="http://schemas.openxmlformats.org/drawingml/2006/main" xmlns:r="http://schemas.openxmlformats.org/officeDocument/2006/relationships" xmlns:p="http://schemas.openxmlformats.org/presentationml/2006/main" showMasterSp="0" showMasterPhAnim="0">
-  <p:cSld>
-    <p:spTree>
-      <p:nvGrpSpPr>
-        <p:cNvPr id="1" name="Shape 214"/>
-        <p:cNvGrpSpPr/>
-        <p:nvPr/>
-      </p:nvGrpSpPr>
-      <p:grpSpPr>
-        <a:xfrm>
-          <a:off x="0" y="0"/>
-          <a:ext cx="0" cy="0"/>
-          <a:chOff x="0" y="0"/>
-          <a:chExt cx="0" cy="0"/>
-        </a:xfrm>
-      </p:grpSpPr>
-      <p:sp>
-        <p:nvSpPr>
-          <p:cNvPr id="215" name="Shape 215"/>
-          <p:cNvSpPr>
-            <a:spLocks noGrp="1" noRot="1" noChangeAspect="1"/>
-          </p:cNvSpPr>
-          <p:nvPr>
-            <p:ph type="sldImg" idx="2"/>
-          </p:nvPr>
-        </p:nvSpPr>
-        <p:spPr>
-          <a:xfrm>
-            <a:off x="1143000" y="685800"/>
-            <a:ext cx="4572000" cy="3429000"/>
-          </a:xfrm>
-          <a:custGeom>
-            <a:avLst/>
-            <a:gdLst/>
-            <a:ahLst/>
-            <a:cxnLst/>
-            <a:rect l="0" t="0" r="0" b="0"/>
-            <a:pathLst>
-              <a:path w="120000" h="120000" extrusionOk="0">
-                <a:moveTo>
-                  <a:pt x="0" y="0"/>
-                </a:moveTo>
-                <a:lnTo>
-                  <a:pt x="120000" y="0"/>
-                </a:lnTo>
-                <a:lnTo>
-                  <a:pt x="120000" y="120000"/>
-                </a:lnTo>
-                <a:lnTo>
-                  <a:pt x="0" y="120000"/>
-                </a:lnTo>
-                <a:close/>
-              </a:path>
-            </a:pathLst>
-          </a:custGeom>
-          <a:noFill/>
-          <a:ln w="9525" cap="flat" cmpd="sng">
-            <a:solidFill>
-              <a:srgbClr val="000000"/>
-            </a:solidFill>
-            <a:prstDash val="solid"/>
-            <a:miter lim="800000"/>
-            <a:headEnd type="none" w="med" len="med"/>
-            <a:tailEnd type="none" w="med" len="med"/>
-          </a:ln>
-        </p:spPr>
-      </p:sp>
-      <p:sp>
-        <p:nvSpPr>
           <p:cNvPr id="216" name="Shape 216"/>
           <p:cNvSpPr txBox="1">
             <a:spLocks noGrp="1"/>
@@ -6976,7 +6770,7 @@
                 <a:cs typeface="Calibri"/>
                 <a:sym typeface="Calibri"/>
               </a:rPr>
-              <a:t>32</a:t>
+              <a:t>31</a:t>
             </a:fld>
             <a:endParaRPr sz="1200" b="0" i="0" u="none" strike="noStrike" cap="none">
               <a:solidFill>
@@ -35922,838 +35716,6 @@
   <p:cSld>
     <p:spTree>
       <p:nvGrpSpPr>
-        <p:cNvPr id="1" name="Shape 218"/>
-        <p:cNvGrpSpPr/>
-        <p:nvPr/>
-      </p:nvGrpSpPr>
-      <p:grpSpPr>
-        <a:xfrm>
-          <a:off x="0" y="0"/>
-          <a:ext cx="0" cy="0"/>
-          <a:chOff x="0" y="0"/>
-          <a:chExt cx="0" cy="0"/>
-        </a:xfrm>
-      </p:grpSpPr>
-      <p:sp>
-        <p:nvSpPr>
-          <p:cNvPr id="220" name="Shape 220"/>
-          <p:cNvSpPr txBox="1">
-            <a:spLocks noGrp="1"/>
-          </p:cNvSpPr>
-          <p:nvPr>
-            <p:ph type="title"/>
-          </p:nvPr>
-        </p:nvSpPr>
-        <p:spPr>
-          <a:xfrm>
-            <a:off x="419900" y="1289063"/>
-            <a:ext cx="8190600" cy="1143000"/>
-          </a:xfrm>
-          <a:prstGeom prst="rect">
-            <a:avLst/>
-          </a:prstGeom>
-          <a:noFill/>
-          <a:ln>
-            <a:noFill/>
-          </a:ln>
-        </p:spPr>
-        <p:txBody>
-          <a:bodyPr spcFirstLastPara="1" wrap="square" lIns="91425" tIns="45700" rIns="91425" bIns="45700" anchor="ctr" anchorCtr="0">
-            <a:noAutofit/>
-          </a:bodyPr>
-          <a:lstStyle/>
-          <a:p>
-            <a:pPr lvl="0" algn="l"/>
-            <a:r>
-              <a:rPr lang="en-US" sz="4100" b="1" i="0" u="none" strike="noStrike" cap="none" dirty="0">
-                <a:solidFill>
-                  <a:srgbClr val="262626"/>
-                </a:solidFill>
-                <a:latin typeface="Roboto"/>
-                <a:ea typeface="Roboto"/>
-                <a:cs typeface="Roboto"/>
-                <a:sym typeface="Roboto"/>
-              </a:rPr>
-              <a:t>HashSet</a:t>
-            </a:r>
-            <a:r>
-              <a:rPr lang="en-US" sz="4100" b="1" dirty="0">
-                <a:solidFill>
-                  <a:srgbClr val="262626"/>
-                </a:solidFill>
-                <a:latin typeface="Roboto"/>
-                <a:ea typeface="Roboto"/>
-                <a:cs typeface="Roboto"/>
-                <a:sym typeface="Roboto"/>
-              </a:rPr>
-              <a:t>&lt;T&gt;</a:t>
-            </a:r>
-            <a:endParaRPr sz="4100" b="1" i="0" u="none" strike="noStrike" cap="none" dirty="0">
-              <a:solidFill>
-                <a:schemeClr val="dk1"/>
-              </a:solidFill>
-              <a:latin typeface="Roboto"/>
-              <a:ea typeface="Roboto"/>
-              <a:cs typeface="Roboto"/>
-              <a:sym typeface="Roboto"/>
-            </a:endParaRPr>
-          </a:p>
-        </p:txBody>
-      </p:sp>
-      <p:sp>
-        <p:nvSpPr>
-          <p:cNvPr id="221" name="Shape 221"/>
-          <p:cNvSpPr/>
-          <p:nvPr/>
-        </p:nvSpPr>
-        <p:spPr>
-          <a:xfrm>
-            <a:off x="524675" y="2709413"/>
-            <a:ext cx="365400" cy="365400"/>
-          </a:xfrm>
-          <a:prstGeom prst="rect">
-            <a:avLst/>
-          </a:prstGeom>
-          <a:noFill/>
-          <a:ln w="19050" cap="flat" cmpd="sng">
-            <a:solidFill>
-              <a:srgbClr val="262626"/>
-            </a:solidFill>
-            <a:prstDash val="solid"/>
-            <a:round/>
-            <a:headEnd type="none" w="med" len="med"/>
-            <a:tailEnd type="none" w="med" len="med"/>
-          </a:ln>
-        </p:spPr>
-        <p:txBody>
-          <a:bodyPr spcFirstLastPara="1" wrap="square" lIns="91425" tIns="91425" rIns="91425" bIns="91425" anchor="ctr" anchorCtr="0">
-            <a:noAutofit/>
-          </a:bodyPr>
-          <a:lstStyle/>
-          <a:p>
-            <a:pPr marL="0" lvl="0" indent="0" algn="ctr">
-              <a:spcBef>
-                <a:spcPts val="0"/>
-              </a:spcBef>
-              <a:spcAft>
-                <a:spcPts val="0"/>
-              </a:spcAft>
-              <a:buNone/>
-            </a:pPr>
-            <a:r>
-              <a:rPr lang="en-US" b="1">
-                <a:latin typeface="Roboto"/>
-                <a:ea typeface="Roboto"/>
-                <a:cs typeface="Roboto"/>
-                <a:sym typeface="Roboto"/>
-              </a:rPr>
-              <a:t>1</a:t>
-            </a:r>
-            <a:endParaRPr b="1">
-              <a:latin typeface="Roboto"/>
-              <a:ea typeface="Roboto"/>
-              <a:cs typeface="Roboto"/>
-              <a:sym typeface="Roboto"/>
-            </a:endParaRPr>
-          </a:p>
-        </p:txBody>
-      </p:sp>
-      <p:sp>
-        <p:nvSpPr>
-          <p:cNvPr id="222" name="Shape 222"/>
-          <p:cNvSpPr/>
-          <p:nvPr/>
-        </p:nvSpPr>
-        <p:spPr>
-          <a:xfrm>
-            <a:off x="524675" y="3722330"/>
-            <a:ext cx="365400" cy="365400"/>
-          </a:xfrm>
-          <a:prstGeom prst="rect">
-            <a:avLst/>
-          </a:prstGeom>
-          <a:noFill/>
-          <a:ln w="19050" cap="flat" cmpd="sng">
-            <a:solidFill>
-              <a:srgbClr val="CC0000"/>
-            </a:solidFill>
-            <a:prstDash val="solid"/>
-            <a:round/>
-            <a:headEnd type="none" w="med" len="med"/>
-            <a:tailEnd type="none" w="med" len="med"/>
-          </a:ln>
-        </p:spPr>
-        <p:txBody>
-          <a:bodyPr spcFirstLastPara="1" wrap="square" lIns="91425" tIns="91425" rIns="91425" bIns="91425" anchor="ctr" anchorCtr="0">
-            <a:noAutofit/>
-          </a:bodyPr>
-          <a:lstStyle/>
-          <a:p>
-            <a:pPr marL="0" lvl="0" indent="0" algn="ctr">
-              <a:spcBef>
-                <a:spcPts val="0"/>
-              </a:spcBef>
-              <a:spcAft>
-                <a:spcPts val="0"/>
-              </a:spcAft>
-              <a:buNone/>
-            </a:pPr>
-            <a:r>
-              <a:rPr lang="en-US" b="1">
-                <a:solidFill>
-                  <a:srgbClr val="CC0000"/>
-                </a:solidFill>
-                <a:latin typeface="Roboto"/>
-                <a:ea typeface="Roboto"/>
-                <a:cs typeface="Roboto"/>
-                <a:sym typeface="Roboto"/>
-              </a:rPr>
-              <a:t>2</a:t>
-            </a:r>
-            <a:endParaRPr b="1">
-              <a:solidFill>
-                <a:srgbClr val="CC0000"/>
-              </a:solidFill>
-              <a:latin typeface="Roboto"/>
-              <a:ea typeface="Roboto"/>
-              <a:cs typeface="Roboto"/>
-              <a:sym typeface="Roboto"/>
-            </a:endParaRPr>
-          </a:p>
-        </p:txBody>
-      </p:sp>
-      <p:sp>
-        <p:nvSpPr>
-          <p:cNvPr id="223" name="Shape 223"/>
-          <p:cNvSpPr/>
-          <p:nvPr/>
-        </p:nvSpPr>
-        <p:spPr>
-          <a:xfrm>
-            <a:off x="524675" y="4780468"/>
-            <a:ext cx="365400" cy="365400"/>
-          </a:xfrm>
-          <a:prstGeom prst="rect">
-            <a:avLst/>
-          </a:prstGeom>
-          <a:noFill/>
-          <a:ln w="19050" cap="flat" cmpd="sng">
-            <a:solidFill>
-              <a:srgbClr val="262626"/>
-            </a:solidFill>
-            <a:prstDash val="solid"/>
-            <a:round/>
-            <a:headEnd type="none" w="med" len="med"/>
-            <a:tailEnd type="none" w="med" len="med"/>
-          </a:ln>
-        </p:spPr>
-        <p:txBody>
-          <a:bodyPr spcFirstLastPara="1" wrap="square" lIns="91425" tIns="91425" rIns="91425" bIns="91425" anchor="ctr" anchorCtr="0">
-            <a:noAutofit/>
-          </a:bodyPr>
-          <a:lstStyle/>
-          <a:p>
-            <a:pPr marL="0" lvl="0" indent="0" algn="ctr">
-              <a:spcBef>
-                <a:spcPts val="0"/>
-              </a:spcBef>
-              <a:spcAft>
-                <a:spcPts val="0"/>
-              </a:spcAft>
-              <a:buNone/>
-            </a:pPr>
-            <a:r>
-              <a:rPr lang="en-US" b="1" dirty="0">
-                <a:latin typeface="Roboto"/>
-                <a:ea typeface="Roboto"/>
-                <a:cs typeface="Roboto"/>
-                <a:sym typeface="Roboto"/>
-              </a:rPr>
-              <a:t>3</a:t>
-            </a:r>
-            <a:endParaRPr b="1" dirty="0">
-              <a:latin typeface="Roboto"/>
-              <a:ea typeface="Roboto"/>
-              <a:cs typeface="Roboto"/>
-              <a:sym typeface="Roboto"/>
-            </a:endParaRPr>
-          </a:p>
-        </p:txBody>
-      </p:sp>
-      <p:sp>
-        <p:nvSpPr>
-          <p:cNvPr id="224" name="Shape 224"/>
-          <p:cNvSpPr txBox="1"/>
-          <p:nvPr/>
-        </p:nvSpPr>
-        <p:spPr>
-          <a:xfrm>
-            <a:off x="1165523" y="3401030"/>
-            <a:ext cx="6840900" cy="1008000"/>
-          </a:xfrm>
-          <a:prstGeom prst="rect">
-            <a:avLst/>
-          </a:prstGeom>
-          <a:noFill/>
-          <a:ln>
-            <a:noFill/>
-          </a:ln>
-        </p:spPr>
-        <p:txBody>
-          <a:bodyPr spcFirstLastPara="1" wrap="square" lIns="91425" tIns="45700" rIns="91425" bIns="45700" anchor="ctr" anchorCtr="0">
-            <a:noAutofit/>
-          </a:bodyPr>
-          <a:lstStyle/>
-          <a:p>
-            <a:pPr lvl="0">
-              <a:buClr>
-                <a:srgbClr val="262626"/>
-              </a:buClr>
-              <a:buSzPts val="2000"/>
-            </a:pPr>
-            <a:r>
-              <a:rPr lang="ru-RU" sz="2000" i="0" u="none" strike="noStrike" cap="none" dirty="0">
-                <a:solidFill>
-                  <a:srgbClr val="262626"/>
-                </a:solidFill>
-                <a:latin typeface="Roboto"/>
-                <a:ea typeface="Roboto"/>
-                <a:cs typeface="Roboto"/>
-                <a:sym typeface="Roboto"/>
-              </a:rPr>
-              <a:t>Представляет множество </a:t>
-            </a:r>
-            <a:r>
-              <a:rPr lang="ru-RU" sz="2000" b="1" i="0" u="none" strike="noStrike" cap="none" dirty="0">
-                <a:solidFill>
-                  <a:srgbClr val="262626"/>
-                </a:solidFill>
-                <a:latin typeface="Roboto"/>
-                <a:ea typeface="Roboto"/>
-                <a:cs typeface="Roboto"/>
-                <a:sym typeface="Roboto"/>
-              </a:rPr>
-              <a:t>уникальных</a:t>
-            </a:r>
-            <a:r>
-              <a:rPr lang="ru-RU" sz="2000" i="0" u="none" strike="noStrike" cap="none" dirty="0">
-                <a:solidFill>
-                  <a:srgbClr val="262626"/>
-                </a:solidFill>
-                <a:latin typeface="Roboto"/>
-                <a:ea typeface="Roboto"/>
-                <a:cs typeface="Roboto"/>
-                <a:sym typeface="Roboto"/>
-              </a:rPr>
-              <a:t> элементов</a:t>
-            </a:r>
-            <a:endParaRPr sz="2000" i="0" u="none" strike="noStrike" cap="none" dirty="0">
-              <a:solidFill>
-                <a:srgbClr val="A5A5A5"/>
-              </a:solidFill>
-              <a:latin typeface="Roboto"/>
-              <a:ea typeface="Roboto"/>
-              <a:cs typeface="Roboto"/>
-              <a:sym typeface="Roboto"/>
-            </a:endParaRPr>
-          </a:p>
-        </p:txBody>
-      </p:sp>
-      <p:sp>
-        <p:nvSpPr>
-          <p:cNvPr id="225" name="Shape 225"/>
-          <p:cNvSpPr txBox="1"/>
-          <p:nvPr/>
-        </p:nvSpPr>
-        <p:spPr>
-          <a:xfrm>
-            <a:off x="1165523" y="4411042"/>
-            <a:ext cx="6840900" cy="1008000"/>
-          </a:xfrm>
-          <a:prstGeom prst="rect">
-            <a:avLst/>
-          </a:prstGeom>
-          <a:noFill/>
-          <a:ln>
-            <a:noFill/>
-          </a:ln>
-        </p:spPr>
-        <p:txBody>
-          <a:bodyPr spcFirstLastPara="1" wrap="square" lIns="91425" tIns="45700" rIns="91425" bIns="45700" anchor="ctr" anchorCtr="0">
-            <a:noAutofit/>
-          </a:bodyPr>
-          <a:lstStyle/>
-          <a:p>
-            <a:pPr lvl="0">
-              <a:buClr>
-                <a:srgbClr val="262626"/>
-              </a:buClr>
-              <a:buSzPts val="2000"/>
-            </a:pPr>
-            <a:r>
-              <a:rPr lang="ru-RU" sz="2000" dirty="0">
-                <a:solidFill>
-                  <a:srgbClr val="262626"/>
-                </a:solidFill>
-                <a:latin typeface="Roboto"/>
-                <a:ea typeface="Roboto"/>
-                <a:cs typeface="Roboto"/>
-                <a:sym typeface="Roboto"/>
-              </a:rPr>
-              <a:t>Операции </a:t>
-            </a:r>
-            <a:r>
-              <a:rPr lang="en-US" sz="2000" dirty="0">
-                <a:solidFill>
-                  <a:srgbClr val="262626"/>
-                </a:solidFill>
-                <a:latin typeface="Roboto"/>
-                <a:ea typeface="Roboto"/>
-                <a:cs typeface="Roboto"/>
-                <a:sym typeface="Roboto"/>
-              </a:rPr>
-              <a:t>Add, Remove, Contains </a:t>
-            </a:r>
-            <a:r>
-              <a:rPr lang="ru-RU" sz="2000" dirty="0">
-                <a:solidFill>
-                  <a:srgbClr val="262626"/>
-                </a:solidFill>
-                <a:latin typeface="Roboto"/>
-                <a:ea typeface="Roboto"/>
-                <a:cs typeface="Roboto"/>
-                <a:sym typeface="Roboto"/>
-              </a:rPr>
-              <a:t>происходят черезвычайно быстро (О(1))</a:t>
-            </a:r>
-            <a:endParaRPr sz="2000" i="0" u="none" strike="noStrike" cap="none" dirty="0">
-              <a:solidFill>
-                <a:srgbClr val="A5A5A5"/>
-              </a:solidFill>
-              <a:latin typeface="Roboto"/>
-              <a:ea typeface="Roboto"/>
-              <a:cs typeface="Roboto"/>
-              <a:sym typeface="Roboto"/>
-            </a:endParaRPr>
-          </a:p>
-        </p:txBody>
-      </p:sp>
-      <p:sp>
-        <p:nvSpPr>
-          <p:cNvPr id="226" name="Shape 226"/>
-          <p:cNvSpPr txBox="1"/>
-          <p:nvPr/>
-        </p:nvSpPr>
-        <p:spPr>
-          <a:xfrm>
-            <a:off x="1165523" y="2385863"/>
-            <a:ext cx="6840900" cy="1012500"/>
-          </a:xfrm>
-          <a:prstGeom prst="rect">
-            <a:avLst/>
-          </a:prstGeom>
-          <a:noFill/>
-          <a:ln>
-            <a:noFill/>
-          </a:ln>
-        </p:spPr>
-        <p:txBody>
-          <a:bodyPr spcFirstLastPara="1" wrap="square" lIns="91425" tIns="45700" rIns="91425" bIns="45700" anchor="ctr" anchorCtr="0">
-            <a:noAutofit/>
-          </a:bodyPr>
-          <a:lstStyle/>
-          <a:p>
-            <a:pPr marL="0" marR="0" lvl="0" indent="0" algn="l" rtl="0">
-              <a:spcBef>
-                <a:spcPts val="0"/>
-              </a:spcBef>
-              <a:spcAft>
-                <a:spcPts val="0"/>
-              </a:spcAft>
-              <a:buClr>
-                <a:srgbClr val="262626"/>
-              </a:buClr>
-              <a:buSzPts val="2000"/>
-              <a:buFont typeface="Arial"/>
-              <a:buNone/>
-            </a:pPr>
-            <a:r>
-              <a:rPr lang="ru-RU" sz="2000" i="0" u="none" strike="noStrike" cap="none" dirty="0">
-                <a:solidFill>
-                  <a:srgbClr val="262626"/>
-                </a:solidFill>
-                <a:latin typeface="Roboto"/>
-                <a:ea typeface="Roboto"/>
-                <a:cs typeface="Roboto"/>
-                <a:sym typeface="Roboto"/>
-              </a:rPr>
-              <a:t>Реализует структуру данных</a:t>
-            </a:r>
-            <a:r>
-              <a:rPr lang="ru-RU" sz="2000" dirty="0">
-                <a:solidFill>
-                  <a:srgbClr val="262626"/>
-                </a:solidFill>
-                <a:latin typeface="Roboto"/>
-                <a:ea typeface="Roboto"/>
-                <a:cs typeface="Roboto"/>
-                <a:sym typeface="Roboto"/>
-              </a:rPr>
-              <a:t> </a:t>
-            </a:r>
-            <a:r>
-              <a:rPr lang="ru-RU" sz="2000" b="1" dirty="0">
-                <a:solidFill>
-                  <a:srgbClr val="262626"/>
-                </a:solidFill>
-                <a:latin typeface="Roboto"/>
-                <a:ea typeface="Roboto"/>
-                <a:cs typeface="Roboto"/>
-                <a:sym typeface="Roboto"/>
-              </a:rPr>
-              <a:t>множество</a:t>
-            </a:r>
-            <a:endParaRPr sz="2000" b="1" i="0" u="none" strike="noStrike" cap="none" dirty="0">
-              <a:solidFill>
-                <a:srgbClr val="A5A5A5"/>
-              </a:solidFill>
-              <a:latin typeface="Roboto"/>
-              <a:ea typeface="Roboto"/>
-              <a:cs typeface="Roboto"/>
-              <a:sym typeface="Roboto"/>
-            </a:endParaRPr>
-          </a:p>
-        </p:txBody>
-      </p:sp>
-      <p:pic>
-        <p:nvPicPr>
-          <p:cNvPr id="227" name="Shape 227"/>
-          <p:cNvPicPr preferRelativeResize="0"/>
-          <p:nvPr/>
-        </p:nvPicPr>
-        <p:blipFill>
-          <a:blip r:embed="rId3">
-            <a:alphaModFix/>
-          </a:blip>
-          <a:stretch>
-            <a:fillRect/>
-          </a:stretch>
-        </p:blipFill>
-        <p:spPr>
-          <a:xfrm>
-            <a:off x="353700" y="302000"/>
-            <a:ext cx="1741800" cy="502875"/>
-          </a:xfrm>
-          <a:prstGeom prst="rect">
-            <a:avLst/>
-          </a:prstGeom>
-          <a:noFill/>
-          <a:ln>
-            <a:noFill/>
-          </a:ln>
-        </p:spPr>
-      </p:pic>
-      <p:sp>
-        <p:nvSpPr>
-          <p:cNvPr id="228" name="Shape 228"/>
-          <p:cNvSpPr/>
-          <p:nvPr/>
-        </p:nvSpPr>
-        <p:spPr>
-          <a:xfrm>
-            <a:off x="7145316" y="408237"/>
-            <a:ext cx="1856100" cy="290400"/>
-          </a:xfrm>
-          <a:prstGeom prst="roundRect">
-            <a:avLst>
-              <a:gd name="adj" fmla="val 0"/>
-            </a:avLst>
-          </a:prstGeom>
-          <a:noFill/>
-          <a:ln>
-            <a:noFill/>
-          </a:ln>
-        </p:spPr>
-        <p:txBody>
-          <a:bodyPr spcFirstLastPara="1" wrap="square" lIns="91425" tIns="45700" rIns="91425" bIns="45700" anchor="ctr" anchorCtr="0">
-            <a:noAutofit/>
-          </a:bodyPr>
-          <a:lstStyle/>
-          <a:p>
-            <a:pPr marL="0" marR="0" lvl="0" indent="0" algn="ctr" rtl="0">
-              <a:spcBef>
-                <a:spcPts val="0"/>
-              </a:spcBef>
-              <a:spcAft>
-                <a:spcPts val="0"/>
-              </a:spcAft>
-              <a:buClr>
-                <a:schemeClr val="lt1"/>
-              </a:buClr>
-              <a:buSzPts val="1200"/>
-              <a:buFont typeface="Arial"/>
-              <a:buNone/>
-            </a:pPr>
-            <a:r>
-              <a:rPr lang="en-US" sz="1500" b="1" i="0" strike="noStrike" cap="none">
-                <a:solidFill>
-                  <a:srgbClr val="262626"/>
-                </a:solidFill>
-                <a:latin typeface="Roboto"/>
-                <a:ea typeface="Roboto"/>
-                <a:cs typeface="Roboto"/>
-                <a:sym typeface="Roboto"/>
-              </a:rPr>
-              <a:t>www.itea.ua</a:t>
-            </a:r>
-            <a:endParaRPr sz="1500" b="1" i="0" strike="noStrike" cap="none">
-              <a:solidFill>
-                <a:srgbClr val="262626"/>
-              </a:solidFill>
-              <a:latin typeface="Roboto"/>
-              <a:ea typeface="Roboto"/>
-              <a:cs typeface="Roboto"/>
-              <a:sym typeface="Roboto"/>
-            </a:endParaRPr>
-          </a:p>
-        </p:txBody>
-      </p:sp>
-      <p:sp>
-        <p:nvSpPr>
-          <p:cNvPr id="229" name="Shape 229"/>
-          <p:cNvSpPr/>
-          <p:nvPr/>
-        </p:nvSpPr>
-        <p:spPr>
-          <a:xfrm rot="10800000" flipH="1">
-            <a:off x="7116750" y="1843125"/>
-            <a:ext cx="2037000" cy="24300"/>
-          </a:xfrm>
-          <a:prstGeom prst="rect">
-            <a:avLst/>
-          </a:prstGeom>
-          <a:solidFill>
-            <a:srgbClr val="CC0000"/>
-          </a:solidFill>
-          <a:ln>
-            <a:noFill/>
-          </a:ln>
-        </p:spPr>
-        <p:txBody>
-          <a:bodyPr spcFirstLastPara="1" wrap="square" lIns="91425" tIns="91425" rIns="91425" bIns="91425" anchor="ctr" anchorCtr="0">
-            <a:noAutofit/>
-          </a:bodyPr>
-          <a:lstStyle/>
-          <a:p>
-            <a:pPr marL="0" lvl="0" indent="0" rtl="0">
-              <a:spcBef>
-                <a:spcPts val="0"/>
-              </a:spcBef>
-              <a:spcAft>
-                <a:spcPts val="0"/>
-              </a:spcAft>
-              <a:buNone/>
-            </a:pPr>
-            <a:r>
-              <a:rPr lang="en-US"/>
-              <a:t>                                                                                     </a:t>
-            </a:r>
-            <a:endParaRPr/>
-          </a:p>
-        </p:txBody>
-      </p:sp>
-      <p:sp>
-        <p:nvSpPr>
-          <p:cNvPr id="230" name="Shape 230"/>
-          <p:cNvSpPr/>
-          <p:nvPr/>
-        </p:nvSpPr>
-        <p:spPr>
-          <a:xfrm rot="10800000" flipH="1">
-            <a:off x="7116750" y="1865525"/>
-            <a:ext cx="2037000" cy="25200"/>
-          </a:xfrm>
-          <a:prstGeom prst="rect">
-            <a:avLst/>
-          </a:prstGeom>
-          <a:solidFill>
-            <a:srgbClr val="262626"/>
-          </a:solidFill>
-          <a:ln>
-            <a:noFill/>
-          </a:ln>
-        </p:spPr>
-        <p:txBody>
-          <a:bodyPr spcFirstLastPara="1" wrap="square" lIns="91425" tIns="91425" rIns="91425" bIns="91425" anchor="ctr" anchorCtr="0">
-            <a:noAutofit/>
-          </a:bodyPr>
-          <a:lstStyle/>
-          <a:p>
-            <a:pPr marL="0" lvl="0" indent="0">
-              <a:spcBef>
-                <a:spcPts val="0"/>
-              </a:spcBef>
-              <a:spcAft>
-                <a:spcPts val="0"/>
-              </a:spcAft>
-              <a:buNone/>
-            </a:pPr>
-            <a:endParaRPr/>
-          </a:p>
-        </p:txBody>
-      </p:sp>
-      <p:sp>
-        <p:nvSpPr>
-          <p:cNvPr id="15" name="Shape 222">
-            <a:extLst>
-              <a:ext uri="{FF2B5EF4-FFF2-40B4-BE49-F238E27FC236}">
-                <a16:creationId xmlns:a16="http://schemas.microsoft.com/office/drawing/2014/main" id="{483584DD-F55D-4114-BD09-2E560A10F2B8}"/>
-              </a:ext>
-            </a:extLst>
-          </p:cNvPr>
-          <p:cNvSpPr/>
-          <p:nvPr/>
-        </p:nvSpPr>
-        <p:spPr>
-          <a:xfrm>
-            <a:off x="524675" y="5747595"/>
-            <a:ext cx="365400" cy="365400"/>
-          </a:xfrm>
-          <a:prstGeom prst="rect">
-            <a:avLst/>
-          </a:prstGeom>
-          <a:noFill/>
-          <a:ln w="19050" cap="flat" cmpd="sng">
-            <a:solidFill>
-              <a:srgbClr val="CC0000"/>
-            </a:solidFill>
-            <a:prstDash val="solid"/>
-            <a:round/>
-            <a:headEnd type="none" w="med" len="med"/>
-            <a:tailEnd type="none" w="med" len="med"/>
-          </a:ln>
-        </p:spPr>
-        <p:txBody>
-          <a:bodyPr spcFirstLastPara="1" wrap="square" lIns="91425" tIns="91425" rIns="91425" bIns="91425" anchor="ctr" anchorCtr="0">
-            <a:noAutofit/>
-          </a:bodyPr>
-          <a:lstStyle/>
-          <a:p>
-            <a:pPr marL="0" lvl="0" indent="0" algn="ctr">
-              <a:spcBef>
-                <a:spcPts val="0"/>
-              </a:spcBef>
-              <a:spcAft>
-                <a:spcPts val="0"/>
-              </a:spcAft>
-              <a:buNone/>
-            </a:pPr>
-            <a:r>
-              <a:rPr lang="ru-RU" b="1" dirty="0">
-                <a:solidFill>
-                  <a:srgbClr val="CC0000"/>
-                </a:solidFill>
-                <a:latin typeface="Roboto"/>
-                <a:ea typeface="Roboto"/>
-                <a:cs typeface="Roboto"/>
-                <a:sym typeface="Roboto"/>
-              </a:rPr>
-              <a:t>4</a:t>
-            </a:r>
-            <a:endParaRPr b="1" dirty="0">
-              <a:solidFill>
-                <a:srgbClr val="CC0000"/>
-              </a:solidFill>
-              <a:latin typeface="Roboto"/>
-              <a:ea typeface="Roboto"/>
-              <a:cs typeface="Roboto"/>
-              <a:sym typeface="Roboto"/>
-            </a:endParaRPr>
-          </a:p>
-        </p:txBody>
-      </p:sp>
-      <p:sp>
-        <p:nvSpPr>
-          <p:cNvPr id="16" name="Shape 224">
-            <a:extLst>
-              <a:ext uri="{FF2B5EF4-FFF2-40B4-BE49-F238E27FC236}">
-                <a16:creationId xmlns:a16="http://schemas.microsoft.com/office/drawing/2014/main" id="{CEA13046-7FB4-4B3D-B915-DBBF2F36E66D}"/>
-              </a:ext>
-            </a:extLst>
-          </p:cNvPr>
-          <p:cNvSpPr txBox="1"/>
-          <p:nvPr/>
-        </p:nvSpPr>
-        <p:spPr>
-          <a:xfrm>
-            <a:off x="1165523" y="5426295"/>
-            <a:ext cx="6840900" cy="1008000"/>
-          </a:xfrm>
-          <a:prstGeom prst="rect">
-            <a:avLst/>
-          </a:prstGeom>
-          <a:noFill/>
-          <a:ln>
-            <a:noFill/>
-          </a:ln>
-        </p:spPr>
-        <p:txBody>
-          <a:bodyPr spcFirstLastPara="1" wrap="square" lIns="91425" tIns="45700" rIns="91425" bIns="45700" anchor="ctr" anchorCtr="0">
-            <a:noAutofit/>
-          </a:bodyPr>
-          <a:lstStyle/>
-          <a:p>
-            <a:pPr lvl="0">
-              <a:buClr>
-                <a:srgbClr val="262626"/>
-              </a:buClr>
-              <a:buSzPts val="2000"/>
-            </a:pPr>
-            <a:r>
-              <a:rPr lang="ru-RU" sz="2000" dirty="0">
-                <a:solidFill>
-                  <a:srgbClr val="262626"/>
-                </a:solidFill>
-                <a:latin typeface="Roboto"/>
-                <a:ea typeface="Roboto"/>
-                <a:cs typeface="Roboto"/>
-                <a:sym typeface="Roboto"/>
-              </a:rPr>
-              <a:t>Позволяет проводить стандартные операции с множествами: Обьеденение, Разница, Пересечение</a:t>
-            </a:r>
-            <a:endParaRPr sz="2000" i="0" u="none" strike="noStrike" cap="none" dirty="0">
-              <a:solidFill>
-                <a:srgbClr val="A5A5A5"/>
-              </a:solidFill>
-              <a:latin typeface="Roboto"/>
-              <a:ea typeface="Roboto"/>
-              <a:cs typeface="Roboto"/>
-              <a:sym typeface="Roboto"/>
-            </a:endParaRPr>
-          </a:p>
-        </p:txBody>
-      </p:sp>
-    </p:spTree>
-    <p:extLst>
-      <p:ext uri="{BB962C8B-B14F-4D97-AF65-F5344CB8AC3E}">
-        <p14:creationId xmlns:p14="http://schemas.microsoft.com/office/powerpoint/2010/main" val="1201077906"/>
-      </p:ext>
-    </p:extLst>
-  </p:cSld>
-  <p:clrMapOvr>
-    <a:masterClrMapping/>
-  </p:clrMapOvr>
-  <p:transition>
-    <p:fade/>
-  </p:transition>
-</p:sld>
-</file>
-
-<file path=ppt/slides/slide31.xml><?xml version="1.0" encoding="utf-8"?>
-<p:sld xmlns:a="http://schemas.openxmlformats.org/drawingml/2006/main" xmlns:r="http://schemas.openxmlformats.org/officeDocument/2006/relationships" xmlns:p="http://schemas.openxmlformats.org/presentationml/2006/main">
-  <p:cSld>
-    <p:spTree>
-      <p:nvGrpSpPr>
         <p:cNvPr id="1" name="Shape 156"/>
         <p:cNvGrpSpPr/>
         <p:nvPr/>
@@ -37345,7 +36307,7 @@
 </p:sld>
 </file>
 
-<file path=ppt/slides/slide32.xml><?xml version="1.0" encoding="utf-8"?>
+<file path=ppt/slides/slide31.xml><?xml version="1.0" encoding="utf-8"?>
 <p:sld xmlns:a="http://schemas.openxmlformats.org/drawingml/2006/main" xmlns:r="http://schemas.openxmlformats.org/officeDocument/2006/relationships" xmlns:p="http://schemas.openxmlformats.org/presentationml/2006/main">
   <p:cSld>
     <p:spTree>
